--- a/output.pptx
+++ b/output.pptx
@@ -16,6 +16,9 @@
     <p:sldId id="264" r:id="rId10"/>
     <p:sldId id="265" r:id="rId11"/>
     <p:sldId id="266" r:id="rId12"/>
+    <p:sldId id="267" r:id="rId13"/>
+    <p:sldId id="268" r:id="rId14"/>
+    <p:sldId id="269" r:id="rId15"/>
   </p:sldIdLst>
   <p:sldSz cx="9144000" cy="6858000" type="screen4x3"/>
   <p:notesSz cx="6858000" cy="9144000"/>
@@ -3217,7 +3220,7 @@
             </a:pPr>
             <a:r>
               <a:rPr/>
-              <a:t>Let’s</a:t>
+              <a:t>Rest</a:t>
             </a:r>
             <a:r>
               <a:rPr/>
@@ -3225,7 +3228,7 @@
             </a:r>
             <a:r>
               <a:rPr/>
-              <a:t>make</a:t>
+              <a:t>well</a:t>
             </a:r>
             <a:r>
               <a:rPr/>
@@ -3233,7 +3236,7 @@
             </a:r>
             <a:r>
               <a:rPr/>
-              <a:t>an</a:t>
+              <a:t>every</a:t>
             </a:r>
             <a:r>
               <a:rPr/>
@@ -3241,15 +3244,7 @@
             </a:r>
             <a:r>
               <a:rPr/>
-              <a:t>activity</a:t>
-            </a:r>
-            <a:r>
-              <a:rPr/>
-              <a:t> </a:t>
-            </a:r>
-            <a:r>
-              <a:rPr/>
-              <a:t>log</a:t>
+              <a:t>day</a:t>
             </a:r>
           </a:p>
         </p:txBody>
@@ -3272,14 +3267,28 @@
             <a:pPr lvl="1"/>
             <a:r>
               <a:rPr/>
-              <a:t>set a goal</a:t>
+              <a:t>enough rest</a:t>
             </a:r>
           </a:p>
           <a:p>
             <a:pPr lvl="1"/>
             <a:r>
               <a:rPr/>
-              <a:t>track goal</a:t>
+              <a:t>consistent rest</a:t>
+            </a:r>
+          </a:p>
+          <a:p>
+            <a:pPr lvl="1"/>
+            <a:r>
+              <a:rPr/>
+              <a:t>establish a routine</a:t>
+            </a:r>
+          </a:p>
+          <a:p>
+            <a:pPr lvl="1"/>
+            <a:r>
+              <a:rPr/>
+              <a:t>heads up seven up resting game</a:t>
             </a:r>
           </a:p>
         </p:txBody>
@@ -3326,6 +3335,222 @@
             </a:pPr>
             <a:r>
               <a:rPr/>
+              <a:t>Break</a:t>
+            </a:r>
+            <a:r>
+              <a:rPr/>
+              <a:t> </a:t>
+            </a:r>
+            <a:r>
+              <a:rPr/>
+              <a:t>time!</a:t>
+            </a:r>
+          </a:p>
+        </p:txBody>
+      </p:sp>
+    </p:spTree>
+  </p:cSld>
+</p:sld>
+</file>
+
+<file path=ppt/slides/slide12.xml><?xml version="1.0" encoding="utf-8"?>
+<p:sld xmlns:a="http://schemas.openxmlformats.org/drawingml/2006/main" xmlns:r="http://schemas.openxmlformats.org/officeDocument/2006/relationships" xmlns:p="http://schemas.openxmlformats.org/presentationml/2006/main">
+  <p:cSld>
+    <p:spTree>
+      <p:nvGrpSpPr>
+        <p:cNvPr id="1" name=""/>
+        <p:cNvGrpSpPr/>
+        <p:nvPr/>
+      </p:nvGrpSpPr>
+      <p:grpSpPr>
+        <a:xfrm>
+          <a:off x="0" y="0"/>
+          <a:ext cx="0" cy="0"/>
+          <a:chOff x="0" y="0"/>
+          <a:chExt cx="0" cy="0"/>
+        </a:xfrm>
+      </p:grpSpPr>
+      <p:sp>
+        <p:nvSpPr>
+          <p:cNvPr id="2" name="Title 1"/>
+          <p:cNvSpPr>
+            <a:spLocks noGrp="1"/>
+          </p:cNvSpPr>
+          <p:nvPr>
+            <p:ph type="title"/>
+          </p:nvPr>
+        </p:nvSpPr>
+        <p:spPr>
+          <a:xfrm>
+            <a:off x="722313" y="4406900"/>
+            <a:ext cx="7772400" cy="1362075"/>
+          </a:xfrm>
+        </p:spPr>
+        <p:txBody>
+          <a:bodyPr/>
+          <a:lstStyle/>
+          <a:p>
+            <a:pPr lvl="0" marL="0" indent="0">
+              <a:buNone/>
+            </a:pPr>
+            <a:r>
+              <a:rPr/>
+              <a:t>Activity</a:t>
+            </a:r>
+          </a:p>
+        </p:txBody>
+      </p:sp>
+    </p:spTree>
+  </p:cSld>
+</p:sld>
+</file>
+
+<file path=ppt/slides/slide13.xml><?xml version="1.0" encoding="utf-8"?>
+<p:sld xmlns:a="http://schemas.openxmlformats.org/drawingml/2006/main" xmlns:r="http://schemas.openxmlformats.org/officeDocument/2006/relationships" xmlns:p="http://schemas.openxmlformats.org/presentationml/2006/main">
+  <p:cSld>
+    <p:spTree>
+      <p:nvGrpSpPr>
+        <p:cNvPr id="1" name=""/>
+        <p:cNvGrpSpPr/>
+        <p:nvPr/>
+      </p:nvGrpSpPr>
+      <p:grpSpPr>
+        <a:xfrm>
+          <a:off x="0" y="0"/>
+          <a:ext cx="0" cy="0"/>
+          <a:chOff x="0" y="0"/>
+          <a:chExt cx="0" cy="0"/>
+        </a:xfrm>
+      </p:grpSpPr>
+      <p:sp>
+        <p:nvSpPr>
+          <p:cNvPr id="2" name="Title 1"/>
+          <p:cNvSpPr>
+            <a:spLocks noGrp="1"/>
+          </p:cNvSpPr>
+          <p:nvPr>
+            <p:ph type="title"/>
+          </p:nvPr>
+        </p:nvSpPr>
+        <p:spPr/>
+        <p:txBody>
+          <a:bodyPr/>
+          <a:lstStyle/>
+          <a:p>
+            <a:pPr lvl="0" marL="0" indent="0">
+              <a:buNone/>
+            </a:pPr>
+            <a:r>
+              <a:rPr/>
+              <a:t>Let’s</a:t>
+            </a:r>
+            <a:r>
+              <a:rPr/>
+              <a:t> </a:t>
+            </a:r>
+            <a:r>
+              <a:rPr/>
+              <a:t>make</a:t>
+            </a:r>
+            <a:r>
+              <a:rPr/>
+              <a:t> </a:t>
+            </a:r>
+            <a:r>
+              <a:rPr/>
+              <a:t>an</a:t>
+            </a:r>
+            <a:r>
+              <a:rPr/>
+              <a:t> </a:t>
+            </a:r>
+            <a:r>
+              <a:rPr/>
+              <a:t>activity</a:t>
+            </a:r>
+            <a:r>
+              <a:rPr/>
+              <a:t> </a:t>
+            </a:r>
+            <a:r>
+              <a:rPr/>
+              <a:t>log</a:t>
+            </a:r>
+          </a:p>
+        </p:txBody>
+      </p:sp>
+      <p:sp>
+        <p:nvSpPr>
+          <p:cNvPr id="3" name="Content Placeholder 2"/>
+          <p:cNvSpPr>
+            <a:spLocks noGrp="1"/>
+          </p:cNvSpPr>
+          <p:nvPr>
+            <p:ph idx="1"/>
+          </p:nvPr>
+        </p:nvSpPr>
+        <p:spPr/>
+        <p:txBody>
+          <a:bodyPr/>
+          <a:lstStyle/>
+          <a:p>
+            <a:pPr lvl="1"/>
+            <a:r>
+              <a:rPr/>
+              <a:t>set a goal</a:t>
+            </a:r>
+          </a:p>
+          <a:p>
+            <a:pPr lvl="1"/>
+            <a:r>
+              <a:rPr/>
+              <a:t>track goal</a:t>
+            </a:r>
+          </a:p>
+        </p:txBody>
+      </p:sp>
+    </p:spTree>
+  </p:cSld>
+</p:sld>
+</file>
+
+<file path=ppt/slides/slide14.xml><?xml version="1.0" encoding="utf-8"?>
+<p:sld xmlns:a="http://schemas.openxmlformats.org/drawingml/2006/main" xmlns:r="http://schemas.openxmlformats.org/officeDocument/2006/relationships" xmlns:p="http://schemas.openxmlformats.org/presentationml/2006/main">
+  <p:cSld>
+    <p:spTree>
+      <p:nvGrpSpPr>
+        <p:cNvPr id="1" name=""/>
+        <p:cNvGrpSpPr/>
+        <p:nvPr/>
+      </p:nvGrpSpPr>
+      <p:grpSpPr>
+        <a:xfrm>
+          <a:off x="0" y="0"/>
+          <a:ext cx="0" cy="0"/>
+          <a:chOff x="0" y="0"/>
+          <a:chExt cx="0" cy="0"/>
+        </a:xfrm>
+      </p:grpSpPr>
+      <p:sp>
+        <p:nvSpPr>
+          <p:cNvPr id="2" name="Title 1"/>
+          <p:cNvSpPr>
+            <a:spLocks noGrp="1"/>
+          </p:cNvSpPr>
+          <p:nvPr>
+            <p:ph type="title"/>
+          </p:nvPr>
+        </p:nvSpPr>
+        <p:spPr/>
+        <p:txBody>
+          <a:bodyPr/>
+          <a:lstStyle/>
+          <a:p>
+            <a:pPr lvl="0" marL="0" indent="0">
+              <a:buNone/>
+            </a:pPr>
+            <a:r>
+              <a:rPr/>
               <a:t>Clean</a:t>
             </a:r>
             <a:r>
@@ -3379,7 +3604,12 @@
             <p:ph type="title"/>
           </p:nvPr>
         </p:nvSpPr>
-        <p:spPr/>
+        <p:spPr>
+          <a:xfrm>
+            <a:off x="722313" y="4406900"/>
+            <a:ext cx="7772400" cy="1362075"/>
+          </a:xfrm>
+        </p:spPr>
         <p:txBody>
           <a:bodyPr/>
           <a:lstStyle/>
@@ -3390,43 +3620,6 @@
             <a:r>
               <a:rPr/>
               <a:t>Vocab</a:t>
-            </a:r>
-          </a:p>
-        </p:txBody>
-      </p:sp>
-      <p:sp>
-        <p:nvSpPr>
-          <p:cNvPr id="3" name="Content Placeholder 2"/>
-          <p:cNvSpPr>
-            <a:spLocks noGrp="1"/>
-          </p:cNvSpPr>
-          <p:nvPr>
-            <p:ph idx="1"/>
-          </p:nvPr>
-        </p:nvSpPr>
-        <p:spPr/>
-        <p:txBody>
-          <a:bodyPr/>
-          <a:lstStyle/>
-          <a:p>
-            <a:pPr lvl="1"/>
-            <a:r>
-              <a:rPr/>
-              <a:t>Routine</a:t>
-            </a:r>
-          </a:p>
-          <a:p>
-            <a:pPr lvl="1"/>
-            <a:r>
-              <a:rPr/>
-              <a:t>Exercise</a:t>
-            </a:r>
-          </a:p>
-          <a:p>
-            <a:pPr lvl="1"/>
-            <a:r>
-              <a:rPr/>
-              <a:t>variety</a:t>
             </a:r>
           </a:p>
         </p:txBody>
@@ -3473,31 +3666,11 @@
             </a:pPr>
             <a:r>
               <a:rPr/>
-              <a:t>Move</a:t>
+              <a:t>Routine</a:t>
             </a:r>
             <a:r>
               <a:rPr/>
               <a:t> </a:t>
-            </a:r>
-            <a:r>
-              <a:rPr/>
-              <a:t>well</a:t>
-            </a:r>
-            <a:r>
-              <a:rPr/>
-              <a:t> </a:t>
-            </a:r>
-            <a:r>
-              <a:rPr/>
-              <a:t>every</a:t>
-            </a:r>
-            <a:r>
-              <a:rPr/>
-              <a:t> </a:t>
-            </a:r>
-            <a:r>
-              <a:rPr/>
-              <a:t>day</a:t>
             </a:r>
           </a:p>
         </p:txBody>
@@ -3544,23 +3717,11 @@
             </a:pPr>
             <a:r>
               <a:rPr/>
-              <a:t>Ways</a:t>
+              <a:t>Exercise</a:t>
             </a:r>
             <a:r>
               <a:rPr/>
               <a:t> </a:t>
-            </a:r>
-            <a:r>
-              <a:rPr/>
-              <a:t>to</a:t>
-            </a:r>
-            <a:r>
-              <a:rPr/>
-              <a:t> </a:t>
-            </a:r>
-            <a:r>
-              <a:rPr/>
-              <a:t>move</a:t>
             </a:r>
           </a:p>
         </p:txBody>
@@ -3607,48 +3768,7 @@
             </a:pPr>
             <a:r>
               <a:rPr/>
-              <a:t>Move</a:t>
-            </a:r>
-            <a:r>
-              <a:rPr/>
-              <a:t> </a:t>
-            </a:r>
-            <a:r>
-              <a:rPr/>
-              <a:t>telepathy</a:t>
-            </a:r>
-            <a:r>
-              <a:rPr/>
-              <a:t> </a:t>
-            </a:r>
-            <a:r>
-              <a:rPr/>
-              <a:t>game</a:t>
-            </a:r>
-          </a:p>
-        </p:txBody>
-      </p:sp>
-      <p:sp>
-        <p:nvSpPr>
-          <p:cNvPr id="3" name="Content Placeholder 2"/>
-          <p:cNvSpPr>
-            <a:spLocks noGrp="1"/>
-          </p:cNvSpPr>
-          <p:nvPr>
-            <p:ph idx="1"/>
-          </p:nvPr>
-        </p:nvSpPr>
-        <p:spPr/>
-        <p:txBody>
-          <a:bodyPr/>
-          <a:lstStyle/>
-          <a:p>
-            <a:pPr lvl="0" marL="0" indent="0">
-              <a:buNone/>
-            </a:pPr>
-            <a:r>
-              <a:rPr/>
-              <a:t>Show a movement activity word and count to three. Then, show the activity with your body. Students who don’t match are out.</a:t>
+              <a:t>Variety</a:t>
             </a:r>
           </a:p>
         </p:txBody>
@@ -3695,7 +3815,7 @@
             </a:pPr>
             <a:r>
               <a:rPr/>
-              <a:t>Eat</a:t>
+              <a:t>Move</a:t>
             </a:r>
             <a:r>
               <a:rPr/>
@@ -3720,36 +3840,6 @@
             <a:r>
               <a:rPr/>
               <a:t>day</a:t>
-            </a:r>
-          </a:p>
-        </p:txBody>
-      </p:sp>
-      <p:sp>
-        <p:nvSpPr>
-          <p:cNvPr id="3" name="Content Placeholder 2"/>
-          <p:cNvSpPr>
-            <a:spLocks noGrp="1"/>
-          </p:cNvSpPr>
-          <p:nvPr>
-            <p:ph idx="1"/>
-          </p:nvPr>
-        </p:nvSpPr>
-        <p:spPr/>
-        <p:txBody>
-          <a:bodyPr/>
-          <a:lstStyle/>
-          <a:p>
-            <a:pPr lvl="1"/>
-            <a:r>
-              <a:rPr/>
-              <a:t>variety</a:t>
-            </a:r>
-          </a:p>
-          <a:p>
-            <a:pPr lvl="1"/>
-            <a:r>
-              <a:rPr/>
-              <a:t>avoid unhealthy food</a:t>
             </a:r>
           </a:p>
         </p:txBody>
@@ -3796,7 +3886,7 @@
             </a:pPr>
             <a:r>
               <a:rPr/>
-              <a:t>Rest</a:t>
+              <a:t>Ways</a:t>
             </a:r>
             <a:r>
               <a:rPr/>
@@ -3804,7 +3894,7 @@
             </a:r>
             <a:r>
               <a:rPr/>
-              <a:t>well</a:t>
+              <a:t>to</a:t>
             </a:r>
             <a:r>
               <a:rPr/>
@@ -3812,59 +3902,7 @@
             </a:r>
             <a:r>
               <a:rPr/>
-              <a:t>every</a:t>
-            </a:r>
-            <a:r>
-              <a:rPr/>
-              <a:t> </a:t>
-            </a:r>
-            <a:r>
-              <a:rPr/>
-              <a:t>day</a:t>
-            </a:r>
-          </a:p>
-        </p:txBody>
-      </p:sp>
-      <p:sp>
-        <p:nvSpPr>
-          <p:cNvPr id="3" name="Content Placeholder 2"/>
-          <p:cNvSpPr>
-            <a:spLocks noGrp="1"/>
-          </p:cNvSpPr>
-          <p:nvPr>
-            <p:ph idx="1"/>
-          </p:nvPr>
-        </p:nvSpPr>
-        <p:spPr/>
-        <p:txBody>
-          <a:bodyPr/>
-          <a:lstStyle/>
-          <a:p>
-            <a:pPr lvl="1"/>
-            <a:r>
-              <a:rPr/>
-              <a:t>enough rest</a:t>
-            </a:r>
-          </a:p>
-          <a:p>
-            <a:pPr lvl="1"/>
-            <a:r>
-              <a:rPr/>
-              <a:t>consistent rest</a:t>
-            </a:r>
-          </a:p>
-          <a:p>
-            <a:pPr lvl="1"/>
-            <a:r>
-              <a:rPr/>
-              <a:t>establish a routine</a:t>
-            </a:r>
-          </a:p>
-          <a:p>
-            <a:pPr lvl="1"/>
-            <a:r>
-              <a:rPr/>
-              <a:t>heads up seven up resting game</a:t>
+              <a:t>move</a:t>
             </a:r>
           </a:p>
         </p:txBody>
@@ -3911,7 +3949,7 @@
             </a:pPr>
             <a:r>
               <a:rPr/>
-              <a:t>Break</a:t>
+              <a:t>Move</a:t>
             </a:r>
             <a:r>
               <a:rPr/>
@@ -3919,7 +3957,40 @@
             </a:r>
             <a:r>
               <a:rPr/>
-              <a:t>time!</a:t>
+              <a:t>telepathy</a:t>
+            </a:r>
+            <a:r>
+              <a:rPr/>
+              <a:t> </a:t>
+            </a:r>
+            <a:r>
+              <a:rPr/>
+              <a:t>game</a:t>
+            </a:r>
+          </a:p>
+        </p:txBody>
+      </p:sp>
+      <p:sp>
+        <p:nvSpPr>
+          <p:cNvPr id="3" name="Content Placeholder 2"/>
+          <p:cNvSpPr>
+            <a:spLocks noGrp="1"/>
+          </p:cNvSpPr>
+          <p:nvPr>
+            <p:ph idx="1"/>
+          </p:nvPr>
+        </p:nvSpPr>
+        <p:spPr/>
+        <p:txBody>
+          <a:bodyPr/>
+          <a:lstStyle/>
+          <a:p>
+            <a:pPr lvl="0" marL="0" indent="0">
+              <a:buNone/>
+            </a:pPr>
+            <a:r>
+              <a:rPr/>
+              <a:t>Show a movement activity word and count to three. Then, show the activity with your body. Students who don’t match are out.</a:t>
             </a:r>
           </a:p>
         </p:txBody>
@@ -3956,12 +4027,7 @@
             <p:ph type="title"/>
           </p:nvPr>
         </p:nvSpPr>
-        <p:spPr>
-          <a:xfrm>
-            <a:off x="722313" y="4406900"/>
-            <a:ext cx="7772400" cy="1362075"/>
-          </a:xfrm>
-        </p:spPr>
+        <p:spPr/>
         <p:txBody>
           <a:bodyPr/>
           <a:lstStyle/>
@@ -3971,7 +4037,61 @@
             </a:pPr>
             <a:r>
               <a:rPr/>
-              <a:t>Activity</a:t>
+              <a:t>Eat</a:t>
+            </a:r>
+            <a:r>
+              <a:rPr/>
+              <a:t> </a:t>
+            </a:r>
+            <a:r>
+              <a:rPr/>
+              <a:t>well</a:t>
+            </a:r>
+            <a:r>
+              <a:rPr/>
+              <a:t> </a:t>
+            </a:r>
+            <a:r>
+              <a:rPr/>
+              <a:t>every</a:t>
+            </a:r>
+            <a:r>
+              <a:rPr/>
+              <a:t> </a:t>
+            </a:r>
+            <a:r>
+              <a:rPr/>
+              <a:t>day</a:t>
+            </a:r>
+          </a:p>
+        </p:txBody>
+      </p:sp>
+      <p:sp>
+        <p:nvSpPr>
+          <p:cNvPr id="3" name="Content Placeholder 2"/>
+          <p:cNvSpPr>
+            <a:spLocks noGrp="1"/>
+          </p:cNvSpPr>
+          <p:nvPr>
+            <p:ph idx="1"/>
+          </p:nvPr>
+        </p:nvSpPr>
+        <p:spPr/>
+        <p:txBody>
+          <a:bodyPr/>
+          <a:lstStyle/>
+          <a:p>
+            <a:pPr lvl="1"/>
+            <a:r>
+              <a:rPr/>
+              <a:t>variety</a:t>
+            </a:r>
+          </a:p>
+          <a:p>
+            <a:pPr lvl="1"/>
+            <a:r>
+              <a:rPr/>
+              <a:t>avoid unhealthy food</a:t>
             </a:r>
           </a:p>
         </p:txBody>
